--- a/Lecture3/DNN ISP -Lecture3.pptx
+++ b/Lecture3/DNN ISP -Lecture3.pptx
@@ -150,7 +150,16 @@
       </a:defRPr>
     </a:lvl9pPr>
   </p:defaultTextStyle>
+  <p:extLst>
+    <p:ext uri="{EFAFB233-063F-42B5-8137-9DF3F51BA10A}">
+      <p15:sldGuideLst xmlns:p15="http://schemas.microsoft.com/office/powerpoint/2012/main"/>
+    </p:ext>
+  </p:extLst>
 </p:presentation>
+</file>
+
+<file path=ppt/revisionInfo.xml><?xml version="1.0" encoding="utf-8"?>
+<p1510:revInfo xmlns:a="http://schemas.openxmlformats.org/drawingml/2006/main" xmlns:r="http://schemas.openxmlformats.org/officeDocument/2006/relationships" xmlns:p1510="http://schemas.microsoft.com/office/powerpoint/2015/10/main"/>
 </file>
 
 <file path=ppt/slideLayouts/slideLayout1.xml><?xml version="1.0" encoding="utf-8"?>
@@ -300,7 +309,7 @@
           <a:p>
             <a:fld id="{09A3BF29-6F9B-45E7-A410-5D4D9F573324}" type="datetimeFigureOut">
               <a:rPr lang="en-US" smtClean="0"/>
-              <a:t>16/1/2018</a:t>
+              <a:t>1/17/2018</a:t>
             </a:fld>
             <a:endParaRPr lang="en-US"/>
           </a:p>
@@ -498,7 +507,7 @@
           <a:p>
             <a:fld id="{09A3BF29-6F9B-45E7-A410-5D4D9F573324}" type="datetimeFigureOut">
               <a:rPr lang="en-US" smtClean="0"/>
-              <a:t>16/1/2018</a:t>
+              <a:t>1/17/2018</a:t>
             </a:fld>
             <a:endParaRPr lang="en-US"/>
           </a:p>
@@ -706,7 +715,7 @@
           <a:p>
             <a:fld id="{09A3BF29-6F9B-45E7-A410-5D4D9F573324}" type="datetimeFigureOut">
               <a:rPr lang="en-US" smtClean="0"/>
-              <a:t>16/1/2018</a:t>
+              <a:t>1/17/2018</a:t>
             </a:fld>
             <a:endParaRPr lang="en-US"/>
           </a:p>
@@ -904,7 +913,7 @@
           <a:p>
             <a:fld id="{09A3BF29-6F9B-45E7-A410-5D4D9F573324}" type="datetimeFigureOut">
               <a:rPr lang="en-US" smtClean="0"/>
-              <a:t>16/1/2018</a:t>
+              <a:t>1/17/2018</a:t>
             </a:fld>
             <a:endParaRPr lang="en-US"/>
           </a:p>
@@ -1179,7 +1188,7 @@
           <a:p>
             <a:fld id="{09A3BF29-6F9B-45E7-A410-5D4D9F573324}" type="datetimeFigureOut">
               <a:rPr lang="en-US" smtClean="0"/>
-              <a:t>16/1/2018</a:t>
+              <a:t>1/17/2018</a:t>
             </a:fld>
             <a:endParaRPr lang="en-US"/>
           </a:p>
@@ -1444,7 +1453,7 @@
           <a:p>
             <a:fld id="{09A3BF29-6F9B-45E7-A410-5D4D9F573324}" type="datetimeFigureOut">
               <a:rPr lang="en-US" smtClean="0"/>
-              <a:t>16/1/2018</a:t>
+              <a:t>1/17/2018</a:t>
             </a:fld>
             <a:endParaRPr lang="en-US"/>
           </a:p>
@@ -1856,7 +1865,7 @@
           <a:p>
             <a:fld id="{09A3BF29-6F9B-45E7-A410-5D4D9F573324}" type="datetimeFigureOut">
               <a:rPr lang="en-US" smtClean="0"/>
-              <a:t>16/1/2018</a:t>
+              <a:t>1/17/2018</a:t>
             </a:fld>
             <a:endParaRPr lang="en-US"/>
           </a:p>
@@ -1997,7 +2006,7 @@
           <a:p>
             <a:fld id="{09A3BF29-6F9B-45E7-A410-5D4D9F573324}" type="datetimeFigureOut">
               <a:rPr lang="en-US" smtClean="0"/>
-              <a:t>16/1/2018</a:t>
+              <a:t>1/17/2018</a:t>
             </a:fld>
             <a:endParaRPr lang="en-US"/>
           </a:p>
@@ -2110,7 +2119,7 @@
           <a:p>
             <a:fld id="{09A3BF29-6F9B-45E7-A410-5D4D9F573324}" type="datetimeFigureOut">
               <a:rPr lang="en-US" smtClean="0"/>
-              <a:t>16/1/2018</a:t>
+              <a:t>1/17/2018</a:t>
             </a:fld>
             <a:endParaRPr lang="en-US"/>
           </a:p>
@@ -2421,7 +2430,7 @@
           <a:p>
             <a:fld id="{09A3BF29-6F9B-45E7-A410-5D4D9F573324}" type="datetimeFigureOut">
               <a:rPr lang="en-US" smtClean="0"/>
-              <a:t>16/1/2018</a:t>
+              <a:t>1/17/2018</a:t>
             </a:fld>
             <a:endParaRPr lang="en-US"/>
           </a:p>
@@ -2709,7 +2718,7 @@
           <a:p>
             <a:fld id="{09A3BF29-6F9B-45E7-A410-5D4D9F573324}" type="datetimeFigureOut">
               <a:rPr lang="en-US" smtClean="0"/>
-              <a:t>16/1/2018</a:t>
+              <a:t>1/17/2018</a:t>
             </a:fld>
             <a:endParaRPr lang="en-US"/>
           </a:p>
@@ -2950,7 +2959,7 @@
           <a:p>
             <a:fld id="{09A3BF29-6F9B-45E7-A410-5D4D9F573324}" type="datetimeFigureOut">
               <a:rPr lang="en-US" smtClean="0"/>
-              <a:t>16/1/2018</a:t>
+              <a:t>1/17/2018</a:t>
             </a:fld>
             <a:endParaRPr lang="en-US"/>
           </a:p>
@@ -6397,8 +6406,8 @@
           </a:p>
         </p:txBody>
       </p:sp>
-      <mc:AlternateContent xmlns:mc="http://schemas.openxmlformats.org/markup-compatibility/2006">
-        <mc:Choice xmlns:a14="http://schemas.microsoft.com/office/drawing/2010/main" Requires="a14">
+      <mc:AlternateContent xmlns:mc="http://schemas.openxmlformats.org/markup-compatibility/2006" xmlns:a14="http://schemas.microsoft.com/office/drawing/2010/main">
+        <mc:Choice Requires="a14">
           <p:sp>
             <p:nvSpPr>
               <p:cNvPr id="3" name="Content Placeholder 2">
@@ -6740,7 +6749,7 @@
             </p:txBody>
           </p:sp>
         </mc:Choice>
-        <mc:Fallback>
+        <mc:Fallback xmlns="">
           <p:sp>
             <p:nvSpPr>
               <p:cNvPr id="3" name="Content Placeholder 2">
@@ -6921,8 +6930,8 @@
           </a:p>
         </p:txBody>
       </p:sp>
-      <mc:AlternateContent xmlns:mc="http://schemas.openxmlformats.org/markup-compatibility/2006">
-        <mc:Choice xmlns:a14="http://schemas.microsoft.com/office/drawing/2010/main" Requires="a14">
+      <mc:AlternateContent xmlns:mc="http://schemas.openxmlformats.org/markup-compatibility/2006" xmlns:a14="http://schemas.microsoft.com/office/drawing/2010/main">
+        <mc:Choice Requires="a14">
           <p:sp>
             <p:nvSpPr>
               <p:cNvPr id="5" name="Content Placeholder 4">
@@ -6988,7 +6997,31 @@
                         <a:rPr lang="en-US" b="0" i="1" smtClean="0">
                           <a:latin typeface="Cambria Math" panose="02040503050406030204" pitchFamily="18" charset="0"/>
                         </a:rPr>
-                        <m:t>⁡(0, 1 −</m:t>
+                        <m:t>⁡(</m:t>
+                      </m:r>
+                      <m:r>
+                        <a:rPr lang="en-US" b="0" i="1" smtClean="0">
+                          <a:latin typeface="Cambria Math" panose="02040503050406030204" pitchFamily="18" charset="0"/>
+                        </a:rPr>
+                        <m:t>0</m:t>
+                      </m:r>
+                      <m:r>
+                        <a:rPr lang="en-US" b="0" i="1" smtClean="0">
+                          <a:latin typeface="Cambria Math" panose="02040503050406030204" pitchFamily="18" charset="0"/>
+                        </a:rPr>
+                        <m:t>, </m:t>
+                      </m:r>
+                      <m:r>
+                        <a:rPr lang="en-US" b="0" i="1" smtClean="0">
+                          <a:latin typeface="Cambria Math" panose="02040503050406030204" pitchFamily="18" charset="0"/>
+                        </a:rPr>
+                        <m:t>1</m:t>
+                      </m:r>
+                      <m:r>
+                        <a:rPr lang="en-US" b="0" i="1" smtClean="0">
+                          <a:latin typeface="Cambria Math" panose="02040503050406030204" pitchFamily="18" charset="0"/>
+                        </a:rPr>
+                        <m:t> −</m:t>
                       </m:r>
                       <m:r>
                         <a:rPr lang="en-US" b="0" i="1" smtClean="0">
@@ -7047,7 +7080,13 @@
                       <a:rPr lang="en-US" i="1" dirty="0" smtClean="0">
                         <a:latin typeface="Cambria Math" panose="02040503050406030204" pitchFamily="18" charset="0"/>
                       </a:rPr>
-                      <m:t>1−</m:t>
+                      <m:t>1</m:t>
+                    </m:r>
+                    <m:r>
+                      <a:rPr lang="en-US" i="1" dirty="0" smtClean="0">
+                        <a:latin typeface="Cambria Math" panose="02040503050406030204" pitchFamily="18" charset="0"/>
+                      </a:rPr>
+                      <m:t>−</m:t>
                     </m:r>
                     <m:r>
                       <a:rPr lang="en-US" i="1" dirty="0" smtClean="0">
@@ -7088,7 +7127,13 @@
                       <a:rPr lang="en-US" b="0" i="1" dirty="0" smtClean="0">
                         <a:latin typeface="Cambria Math" panose="02040503050406030204" pitchFamily="18" charset="0"/>
                       </a:rPr>
-                      <m:t>=0</m:t>
+                      <m:t>=</m:t>
+                    </m:r>
+                    <m:r>
+                      <a:rPr lang="en-US" b="0" i="1" dirty="0" smtClean="0">
+                        <a:latin typeface="Cambria Math" panose="02040503050406030204" pitchFamily="18" charset="0"/>
+                      </a:rPr>
+                      <m:t>0</m:t>
                     </m:r>
                   </m:oMath>
                 </a14:m>
@@ -7117,7 +7162,7 @@
             </p:txBody>
           </p:sp>
         </mc:Choice>
-        <mc:Fallback>
+        <mc:Fallback xmlns="">
           <p:sp>
             <p:nvSpPr>
               <p:cNvPr id="5" name="Content Placeholder 4">
@@ -7325,8 +7370,8 @@
           </a:p>
         </p:txBody>
       </p:sp>
-      <mc:AlternateContent xmlns:mc="http://schemas.openxmlformats.org/markup-compatibility/2006">
-        <mc:Choice xmlns:a14="http://schemas.microsoft.com/office/drawing/2010/main" Requires="a14">
+      <mc:AlternateContent xmlns:mc="http://schemas.openxmlformats.org/markup-compatibility/2006" xmlns:a14="http://schemas.microsoft.com/office/drawing/2010/main">
+        <mc:Choice Requires="a14">
           <p:sp>
             <p:nvSpPr>
               <p:cNvPr id="3" name="Content Placeholder 2">
@@ -7506,7 +7551,7 @@
             </p:txBody>
           </p:sp>
         </mc:Choice>
-        <mc:Fallback>
+        <mc:Fallback xmlns="">
           <p:sp>
             <p:nvSpPr>
               <p:cNvPr id="3" name="Content Placeholder 2">
@@ -7604,8 +7649,8 @@
           </a:p>
         </p:txBody>
       </p:sp>
-      <mc:AlternateContent xmlns:mc="http://schemas.openxmlformats.org/markup-compatibility/2006">
-        <mc:Choice xmlns:a14="http://schemas.microsoft.com/office/drawing/2010/main" Requires="a14">
+      <mc:AlternateContent xmlns:mc="http://schemas.openxmlformats.org/markup-compatibility/2006" xmlns:a14="http://schemas.microsoft.com/office/drawing/2010/main">
+        <mc:Choice Requires="a14">
           <p:sp>
             <p:nvSpPr>
               <p:cNvPr id="3" name="Content Placeholder 2">
@@ -7769,7 +7814,7 @@
             </p:txBody>
           </p:sp>
         </mc:Choice>
-        <mc:Fallback>
+        <mc:Fallback xmlns="">
           <p:sp>
             <p:nvSpPr>
               <p:cNvPr id="3" name="Content Placeholder 2">
@@ -7867,8 +7912,8 @@
           </a:p>
         </p:txBody>
       </p:sp>
-      <mc:AlternateContent xmlns:mc="http://schemas.openxmlformats.org/markup-compatibility/2006">
-        <mc:Choice xmlns:a14="http://schemas.microsoft.com/office/drawing/2010/main" Requires="a14">
+      <mc:AlternateContent xmlns:mc="http://schemas.openxmlformats.org/markup-compatibility/2006" xmlns:a14="http://schemas.microsoft.com/office/drawing/2010/main">
+        <mc:Choice Requires="a14">
           <p:sp>
             <p:nvSpPr>
               <p:cNvPr id="3" name="Content Placeholder 2">
@@ -8300,7 +8345,7 @@
             </p:txBody>
           </p:sp>
         </mc:Choice>
-        <mc:Fallback>
+        <mc:Fallback xmlns="">
           <p:sp>
             <p:nvSpPr>
               <p:cNvPr id="3" name="Content Placeholder 2">
@@ -8703,8 +8748,8 @@
           </a:p>
         </p:txBody>
       </p:sp>
-      <mc:AlternateContent xmlns:mc="http://schemas.openxmlformats.org/markup-compatibility/2006">
-        <mc:Choice xmlns:a14="http://schemas.microsoft.com/office/drawing/2010/main" Requires="a14">
+      <mc:AlternateContent xmlns:mc="http://schemas.openxmlformats.org/markup-compatibility/2006" xmlns:a14="http://schemas.microsoft.com/office/drawing/2010/main">
+        <mc:Choice Requires="a14">
           <p:sp>
             <p:nvSpPr>
               <p:cNvPr id="3" name="Content Placeholder 2">
@@ -8967,7 +9012,7 @@
             </p:txBody>
           </p:sp>
         </mc:Choice>
-        <mc:Fallback>
+        <mc:Fallback xmlns="">
           <p:sp>
             <p:nvSpPr>
               <p:cNvPr id="3" name="Content Placeholder 2">
@@ -9056,8 +9101,8 @@
           </a:extLst>
         </p:spPr>
       </p:pic>
-      <mc:AlternateContent xmlns:mc="http://schemas.openxmlformats.org/markup-compatibility/2006">
-        <mc:Choice xmlns:a14="http://schemas.microsoft.com/office/drawing/2010/main" Requires="a14">
+      <mc:AlternateContent xmlns:mc="http://schemas.openxmlformats.org/markup-compatibility/2006" xmlns:a14="http://schemas.microsoft.com/office/drawing/2010/main">
+        <mc:Choice Requires="a14">
           <p:sp>
             <p:nvSpPr>
               <p:cNvPr id="4" name="TextBox 3">
@@ -9086,6 +9131,7 @@
               </a:bodyPr>
               <a:lstStyle/>
               <a:p>
+                <a:pPr/>
                 <a14:m>
                   <m:oMathPara xmlns:m="http://schemas.openxmlformats.org/officeDocument/2006/math">
                     <m:oMathParaPr>
@@ -9130,7 +9176,7 @@
             </p:txBody>
           </p:sp>
         </mc:Choice>
-        <mc:Fallback>
+        <mc:Fallback xmlns="">
           <p:sp>
             <p:nvSpPr>
               <p:cNvPr id="4" name="TextBox 3">
@@ -9233,8 +9279,8 @@
           </a:p>
         </p:txBody>
       </p:sp>
-      <mc:AlternateContent xmlns:mc="http://schemas.openxmlformats.org/markup-compatibility/2006">
-        <mc:Choice xmlns:a14="http://schemas.microsoft.com/office/drawing/2010/main" Requires="a14">
+      <mc:AlternateContent xmlns:mc="http://schemas.openxmlformats.org/markup-compatibility/2006" xmlns:a14="http://schemas.microsoft.com/office/drawing/2010/main">
+        <mc:Choice Requires="a14">
           <p:sp>
             <p:nvSpPr>
               <p:cNvPr id="3" name="Content Placeholder 2">
@@ -9346,7 +9392,7 @@
                           <m:d>
                             <m:dPr>
                               <m:ctrlPr>
-                                <a:rPr lang="en-US" b="0" i="0" smtClean="0">
+                                <a:rPr lang="en-US" b="0" i="1" smtClean="0">
                                   <a:latin typeface="Cambria Math" panose="02040503050406030204" pitchFamily="18" charset="0"/>
                                 </a:rPr>
                               </m:ctrlPr>
@@ -9745,7 +9791,7 @@
             </p:txBody>
           </p:sp>
         </mc:Choice>
-        <mc:Fallback>
+        <mc:Fallback xmlns="">
           <p:sp>
             <p:nvSpPr>
               <p:cNvPr id="3" name="Content Placeholder 2">
@@ -9847,8 +9893,8 @@
           </a:p>
         </p:txBody>
       </p:sp>
-      <mc:AlternateContent xmlns:mc="http://schemas.openxmlformats.org/markup-compatibility/2006">
-        <mc:Choice xmlns:a14="http://schemas.microsoft.com/office/drawing/2010/main" Requires="a14">
+      <mc:AlternateContent xmlns:mc="http://schemas.openxmlformats.org/markup-compatibility/2006" xmlns:a14="http://schemas.microsoft.com/office/drawing/2010/main">
+        <mc:Choice Requires="a14">
           <p:sp>
             <p:nvSpPr>
               <p:cNvPr id="3" name="Content Placeholder 2">
@@ -10481,7 +10527,7 @@
             </p:txBody>
           </p:sp>
         </mc:Choice>
-        <mc:Fallback>
+        <mc:Fallback xmlns="">
           <p:sp>
             <p:nvSpPr>
               <p:cNvPr id="3" name="Content Placeholder 2">
@@ -13224,8 +13270,8 @@
           </p:style>
         </p:cxnSp>
       </p:grpSp>
-      <mc:AlternateContent xmlns:mc="http://schemas.openxmlformats.org/markup-compatibility/2006">
-        <mc:Choice xmlns:a14="http://schemas.microsoft.com/office/drawing/2010/main" Requires="a14">
+      <mc:AlternateContent xmlns:mc="http://schemas.openxmlformats.org/markup-compatibility/2006" xmlns:a14="http://schemas.microsoft.com/office/drawing/2010/main">
+        <mc:Choice Requires="a14">
           <p:sp>
             <p:nvSpPr>
               <p:cNvPr id="42" name="TextBox 41">
@@ -13282,7 +13328,7 @@
             </p:txBody>
           </p:sp>
         </mc:Choice>
-        <mc:Fallback>
+        <mc:Fallback xmlns="">
           <p:sp>
             <p:nvSpPr>
               <p:cNvPr id="42" name="TextBox 41">
@@ -13327,8 +13373,8 @@
           </p:sp>
         </mc:Fallback>
       </mc:AlternateContent>
-      <mc:AlternateContent xmlns:mc="http://schemas.openxmlformats.org/markup-compatibility/2006">
-        <mc:Choice xmlns:a14="http://schemas.microsoft.com/office/drawing/2010/main" Requires="a14">
+      <mc:AlternateContent xmlns:mc="http://schemas.openxmlformats.org/markup-compatibility/2006" xmlns:a14="http://schemas.microsoft.com/office/drawing/2010/main">
+        <mc:Choice Requires="a14">
           <p:sp>
             <p:nvSpPr>
               <p:cNvPr id="43" name="TextBox 42">
@@ -13385,7 +13431,7 @@
             </p:txBody>
           </p:sp>
         </mc:Choice>
-        <mc:Fallback>
+        <mc:Fallback xmlns="">
           <p:sp>
             <p:nvSpPr>
               <p:cNvPr id="43" name="TextBox 42">
@@ -13430,8 +13476,8 @@
           </p:sp>
         </mc:Fallback>
       </mc:AlternateContent>
-      <mc:AlternateContent xmlns:mc="http://schemas.openxmlformats.org/markup-compatibility/2006">
-        <mc:Choice xmlns:a14="http://schemas.microsoft.com/office/drawing/2010/main" Requires="a14">
+      <mc:AlternateContent xmlns:mc="http://schemas.openxmlformats.org/markup-compatibility/2006" xmlns:a14="http://schemas.microsoft.com/office/drawing/2010/main">
+        <mc:Choice Requires="a14">
           <p:sp>
             <p:nvSpPr>
               <p:cNvPr id="44" name="Oval 43">
@@ -13520,7 +13566,7 @@
             </p:txBody>
           </p:sp>
         </mc:Choice>
-        <mc:Fallback>
+        <mc:Fallback xmlns="">
           <p:sp>
             <p:nvSpPr>
               <p:cNvPr id="44" name="Oval 43">
@@ -13628,8 +13674,8 @@
           </a:p>
         </p:txBody>
       </p:sp>
-      <mc:AlternateContent xmlns:mc="http://schemas.openxmlformats.org/markup-compatibility/2006">
-        <mc:Choice xmlns:a14="http://schemas.microsoft.com/office/drawing/2010/main" Requires="a14">
+      <mc:AlternateContent xmlns:mc="http://schemas.openxmlformats.org/markup-compatibility/2006" xmlns:a14="http://schemas.microsoft.com/office/drawing/2010/main">
+        <mc:Choice Requires="a14">
           <p:sp>
             <p:nvSpPr>
               <p:cNvPr id="46" name="Oval 45">
@@ -13730,7 +13776,7 @@
             </p:txBody>
           </p:sp>
         </mc:Choice>
-        <mc:Fallback>
+        <mc:Fallback xmlns="">
           <p:sp>
             <p:nvSpPr>
               <p:cNvPr id="46" name="Oval 45">
@@ -13815,8 +13861,8 @@
           </a:p>
         </p:txBody>
       </p:sp>
-      <mc:AlternateContent xmlns:mc="http://schemas.openxmlformats.org/markup-compatibility/2006">
-        <mc:Choice xmlns:a14="http://schemas.microsoft.com/office/drawing/2010/main" Requires="a14">
+      <mc:AlternateContent xmlns:mc="http://schemas.openxmlformats.org/markup-compatibility/2006" xmlns:a14="http://schemas.microsoft.com/office/drawing/2010/main">
+        <mc:Choice Requires="a14">
           <p:sp>
             <p:nvSpPr>
               <p:cNvPr id="48" name="TextBox 47">
@@ -14022,7 +14068,7 @@
             </p:txBody>
           </p:sp>
         </mc:Choice>
-        <mc:Fallback>
+        <mc:Fallback xmlns="">
           <p:sp>
             <p:nvSpPr>
               <p:cNvPr id="48" name="TextBox 47">
@@ -14826,8 +14872,8 @@
           </a:prstGeom>
         </p:spPr>
       </p:pic>
-      <mc:AlternateContent xmlns:mc="http://schemas.openxmlformats.org/markup-compatibility/2006" xmlns:a14="http://schemas.microsoft.com/office/drawing/2010/main">
-        <mc:Choice Requires="a14">
+      <mc:AlternateContent xmlns:mc="http://schemas.openxmlformats.org/markup-compatibility/2006">
+        <mc:Choice xmlns:a14="http://schemas.microsoft.com/office/drawing/2010/main" Requires="a14">
           <p:sp>
             <p:nvSpPr>
               <p:cNvPr id="4" name="Content Placeholder 3">
@@ -14915,6 +14961,60 @@
                           </m:r>
                         </m:den>
                       </m:f>
+                      <m:r>
+                        <a:rPr lang="en-US" b="0" i="1" smtClean="0">
+                          <a:latin typeface="Cambria Math" panose="02040503050406030204" pitchFamily="18" charset="0"/>
+                        </a:rPr>
+                        <m:t>=</m:t>
+                      </m:r>
+                      <m:r>
+                        <a:rPr lang="en-US" b="0" i="1" smtClean="0">
+                          <a:latin typeface="Cambria Math" panose="02040503050406030204" pitchFamily="18" charset="0"/>
+                        </a:rPr>
+                        <m:t>𝑃</m:t>
+                      </m:r>
+                      <m:r>
+                        <a:rPr lang="en-US" b="0" i="1" smtClean="0">
+                          <a:latin typeface="Cambria Math" panose="02040503050406030204" pitchFamily="18" charset="0"/>
+                        </a:rPr>
+                        <m:t>(</m:t>
+                      </m:r>
+                      <m:r>
+                        <a:rPr lang="en-US" b="0" i="1" smtClean="0">
+                          <a:latin typeface="Cambria Math" panose="02040503050406030204" pitchFamily="18" charset="0"/>
+                        </a:rPr>
+                        <m:t>𝑌</m:t>
+                      </m:r>
+                      <m:r>
+                        <a:rPr lang="en-US" b="0" i="1" smtClean="0">
+                          <a:latin typeface="Cambria Math" panose="02040503050406030204" pitchFamily="18" charset="0"/>
+                        </a:rPr>
+                        <m:t>=1|</m:t>
+                      </m:r>
+                      <m:acc>
+                        <m:accPr>
+                          <m:chr m:val="̂"/>
+                          <m:ctrlPr>
+                            <a:rPr lang="en-US" b="0" i="1" smtClean="0">
+                              <a:latin typeface="Cambria Math" panose="02040503050406030204" pitchFamily="18" charset="0"/>
+                            </a:rPr>
+                          </m:ctrlPr>
+                        </m:accPr>
+                        <m:e>
+                          <m:r>
+                            <a:rPr lang="en-US" b="0" i="1" smtClean="0">
+                              <a:latin typeface="Cambria Math" panose="02040503050406030204" pitchFamily="18" charset="0"/>
+                            </a:rPr>
+                            <m:t>𝑌</m:t>
+                          </m:r>
+                        </m:e>
+                      </m:acc>
+                      <m:r>
+                        <a:rPr lang="en-US" b="0" i="1" smtClean="0">
+                          <a:latin typeface="Cambria Math" panose="02040503050406030204" pitchFamily="18" charset="0"/>
+                        </a:rPr>
+                        <m:t>=1)</m:t>
+                      </m:r>
                     </m:oMath>
                   </m:oMathPara>
                 </a14:m>
@@ -14985,15 +15085,75 @@
                           </m:r>
                         </m:den>
                       </m:f>
+                      <m:r>
+                        <a:rPr lang="en-US" i="1">
+                          <a:latin typeface="Cambria Math" panose="02040503050406030204" pitchFamily="18" charset="0"/>
+                        </a:rPr>
+                        <m:t>=</m:t>
+                      </m:r>
+                      <m:r>
+                        <a:rPr lang="en-US" i="1">
+                          <a:latin typeface="Cambria Math" panose="02040503050406030204" pitchFamily="18" charset="0"/>
+                        </a:rPr>
+                        <m:t>𝑃</m:t>
+                      </m:r>
+                      <m:r>
+                        <a:rPr lang="en-US" i="1">
+                          <a:latin typeface="Cambria Math" panose="02040503050406030204" pitchFamily="18" charset="0"/>
+                        </a:rPr>
+                        <m:t>(</m:t>
+                      </m:r>
+                      <m:acc>
+                        <m:accPr>
+                          <m:chr m:val="̂"/>
+                          <m:ctrlPr>
+                            <a:rPr lang="en-US" i="1">
+                              <a:latin typeface="Cambria Math" panose="02040503050406030204" pitchFamily="18" charset="0"/>
+                            </a:rPr>
+                          </m:ctrlPr>
+                        </m:accPr>
+                        <m:e>
+                          <m:r>
+                            <a:rPr lang="en-US" i="1">
+                              <a:latin typeface="Cambria Math" panose="02040503050406030204" pitchFamily="18" charset="0"/>
+                            </a:rPr>
+                            <m:t>𝑌</m:t>
+                          </m:r>
+                        </m:e>
+                      </m:acc>
+                      <m:r>
+                        <a:rPr lang="en-US" i="1">
+                          <a:latin typeface="Cambria Math" panose="02040503050406030204" pitchFamily="18" charset="0"/>
+                        </a:rPr>
+                        <m:t>=1|</m:t>
+                      </m:r>
+                      <m:r>
+                        <a:rPr lang="en-US" i="1">
+                          <a:latin typeface="Cambria Math" panose="02040503050406030204" pitchFamily="18" charset="0"/>
+                        </a:rPr>
+                        <m:t>𝑌</m:t>
+                      </m:r>
+                      <m:r>
+                        <a:rPr lang="en-US" i="1">
+                          <a:latin typeface="Cambria Math" panose="02040503050406030204" pitchFamily="18" charset="0"/>
+                        </a:rPr>
+                        <m:t>=1)</m:t>
+                      </m:r>
                     </m:oMath>
                   </m:oMathPara>
                 </a14:m>
+                <a:endParaRPr lang="en-US" dirty="0"/>
+              </a:p>
+              <a:p>
+                <a:pPr marL="0" indent="0">
+                  <a:buNone/>
+                </a:pPr>
                 <a:endParaRPr lang="ru-RU" dirty="0"/>
               </a:p>
             </p:txBody>
           </p:sp>
         </mc:Choice>
-        <mc:Fallback xmlns="">
+        <mc:Fallback>
           <p:sp>
             <p:nvSpPr>
               <p:cNvPr id="4" name="Content Placeholder 3">
@@ -15277,8 +15437,8 @@
           </a:xfrm>
         </p:spPr>
       </p:pic>
-      <mc:AlternateContent xmlns:mc="http://schemas.openxmlformats.org/markup-compatibility/2006" xmlns:a14="http://schemas.microsoft.com/office/drawing/2010/main">
-        <mc:Choice Requires="a14">
+      <mc:AlternateContent xmlns:mc="http://schemas.openxmlformats.org/markup-compatibility/2006">
+        <mc:Choice xmlns:a14="http://schemas.microsoft.com/office/drawing/2010/main" Requires="a14">
           <p:sp>
             <p:nvSpPr>
               <p:cNvPr id="10" name="TextBox 9">
@@ -15293,8 +15453,8 @@
             </p:nvSpPr>
             <p:spPr>
               <a:xfrm>
-                <a:off x="6960637" y="1819469"/>
-                <a:ext cx="4393163" cy="4335289"/>
+                <a:off x="6337300" y="1819469"/>
+                <a:ext cx="5753265" cy="4305281"/>
               </a:xfrm>
               <a:prstGeom prst="rect">
                 <a:avLst/>
@@ -15316,7 +15476,6 @@
                 <a:endParaRPr lang="en-US" sz="2800" dirty="0"/>
               </a:p>
               <a:p>
-                <a:pPr/>
                 <a14:m>
                   <m:oMathPara xmlns:m="http://schemas.openxmlformats.org/officeDocument/2006/math">
                     <m:oMathParaPr>
@@ -15372,16 +15531,70 @@
                           </m:r>
                         </m:den>
                       </m:f>
+                      <m:r>
+                        <a:rPr lang="en-US" sz="2800" i="1">
+                          <a:latin typeface="Cambria Math" panose="02040503050406030204" pitchFamily="18" charset="0"/>
+                        </a:rPr>
+                        <m:t>=</m:t>
+                      </m:r>
+                      <m:r>
+                        <a:rPr lang="en-US" sz="2800" i="1">
+                          <a:latin typeface="Cambria Math" panose="02040503050406030204" pitchFamily="18" charset="0"/>
+                        </a:rPr>
+                        <m:t>𝑃</m:t>
+                      </m:r>
+                      <m:r>
+                        <a:rPr lang="en-US" sz="2800" i="1">
+                          <a:latin typeface="Cambria Math" panose="02040503050406030204" pitchFamily="18" charset="0"/>
+                        </a:rPr>
+                        <m:t>(</m:t>
+                      </m:r>
+                      <m:acc>
+                        <m:accPr>
+                          <m:chr m:val="̂"/>
+                          <m:ctrlPr>
+                            <a:rPr lang="en-US" sz="2800" i="1">
+                              <a:latin typeface="Cambria Math" panose="02040503050406030204" pitchFamily="18" charset="0"/>
+                            </a:rPr>
+                          </m:ctrlPr>
+                        </m:accPr>
+                        <m:e>
+                          <m:r>
+                            <a:rPr lang="en-US" sz="2800" i="1">
+                              <a:latin typeface="Cambria Math" panose="02040503050406030204" pitchFamily="18" charset="0"/>
+                            </a:rPr>
+                            <m:t>𝑌</m:t>
+                          </m:r>
+                        </m:e>
+                      </m:acc>
+                      <m:r>
+                        <a:rPr lang="en-US" sz="2800" i="1">
+                          <a:latin typeface="Cambria Math" panose="02040503050406030204" pitchFamily="18" charset="0"/>
+                        </a:rPr>
+                        <m:t>=1|</m:t>
+                      </m:r>
+                      <m:r>
+                        <a:rPr lang="en-US" sz="2800" i="1">
+                          <a:latin typeface="Cambria Math" panose="02040503050406030204" pitchFamily="18" charset="0"/>
+                        </a:rPr>
+                        <m:t>𝑌</m:t>
+                      </m:r>
+                      <m:r>
+                        <a:rPr lang="en-US" sz="2800" i="1">
+                          <a:latin typeface="Cambria Math" panose="02040503050406030204" pitchFamily="18" charset="0"/>
+                        </a:rPr>
+                        <m:t>=1)</m:t>
+                      </m:r>
                     </m:oMath>
                   </m:oMathPara>
                 </a14:m>
+                <a:endParaRPr lang="en-US" sz="2800" dirty="0"/>
+              </a:p>
+              <a:p>
+                <a:pPr/>
                 <a:endParaRPr lang="en-US" sz="2800" b="0" dirty="0"/>
               </a:p>
               <a:p>
-                <a:endParaRPr lang="en-US" sz="2800" b="0" dirty="0"/>
-              </a:p>
-              <a:p>
-                <a:pPr/>
                 <a14:m>
                   <m:oMathPara xmlns:m="http://schemas.openxmlformats.org/officeDocument/2006/math">
                     <m:oMathParaPr>
@@ -15437,15 +15650,85 @@
                           </m:r>
                         </m:den>
                       </m:f>
+                      <m:r>
+                        <a:rPr lang="en-US" sz="2800" i="1">
+                          <a:latin typeface="Cambria Math" panose="02040503050406030204" pitchFamily="18" charset="0"/>
+                        </a:rPr>
+                        <m:t>=</m:t>
+                      </m:r>
+                      <m:r>
+                        <a:rPr lang="en-US" sz="2800" i="1">
+                          <a:latin typeface="Cambria Math" panose="02040503050406030204" pitchFamily="18" charset="0"/>
+                        </a:rPr>
+                        <m:t>𝑃</m:t>
+                      </m:r>
+                      <m:r>
+                        <a:rPr lang="en-US" sz="2800" i="1">
+                          <a:latin typeface="Cambria Math" panose="02040503050406030204" pitchFamily="18" charset="0"/>
+                        </a:rPr>
+                        <m:t>(</m:t>
+                      </m:r>
+                      <m:acc>
+                        <m:accPr>
+                          <m:chr m:val="̂"/>
+                          <m:ctrlPr>
+                            <a:rPr lang="en-US" sz="2800" i="1">
+                              <a:latin typeface="Cambria Math" panose="02040503050406030204" pitchFamily="18" charset="0"/>
+                            </a:rPr>
+                          </m:ctrlPr>
+                        </m:accPr>
+                        <m:e>
+                          <m:r>
+                            <a:rPr lang="en-US" sz="2800" i="1">
+                              <a:latin typeface="Cambria Math" panose="02040503050406030204" pitchFamily="18" charset="0"/>
+                            </a:rPr>
+                            <m:t>𝑌</m:t>
+                          </m:r>
+                        </m:e>
+                      </m:acc>
+                      <m:r>
+                        <a:rPr lang="en-US" sz="2800" i="1">
+                          <a:latin typeface="Cambria Math" panose="02040503050406030204" pitchFamily="18" charset="0"/>
+                        </a:rPr>
+                        <m:t>=</m:t>
+                      </m:r>
+                      <m:r>
+                        <a:rPr lang="en-US" sz="2800" b="0" i="1" smtClean="0">
+                          <a:latin typeface="Cambria Math" panose="02040503050406030204" pitchFamily="18" charset="0"/>
+                        </a:rPr>
+                        <m:t>0</m:t>
+                      </m:r>
+                      <m:r>
+                        <a:rPr lang="en-US" sz="2800" i="1">
+                          <a:latin typeface="Cambria Math" panose="02040503050406030204" pitchFamily="18" charset="0"/>
+                        </a:rPr>
+                        <m:t>|</m:t>
+                      </m:r>
+                      <m:r>
+                        <a:rPr lang="en-US" sz="2800" i="1">
+                          <a:latin typeface="Cambria Math" panose="02040503050406030204" pitchFamily="18" charset="0"/>
+                        </a:rPr>
+                        <m:t>𝑌</m:t>
+                      </m:r>
+                      <m:r>
+                        <a:rPr lang="en-US" sz="2800" i="1">
+                          <a:latin typeface="Cambria Math" panose="02040503050406030204" pitchFamily="18" charset="0"/>
+                        </a:rPr>
+                        <m:t>=0)</m:t>
+                      </m:r>
                     </m:oMath>
                   </m:oMathPara>
                 </a14:m>
+                <a:endParaRPr lang="en-US" sz="2800" dirty="0"/>
+              </a:p>
+              <a:p>
+                <a:pPr/>
                 <a:endParaRPr lang="ru-RU" sz="2800" dirty="0"/>
               </a:p>
             </p:txBody>
           </p:sp>
         </mc:Choice>
-        <mc:Fallback xmlns="">
+        <mc:Fallback>
           <p:sp>
             <p:nvSpPr>
               <p:cNvPr id="10" name="TextBox 9">
@@ -15462,8 +15745,8 @@
             </p:nvSpPr>
             <p:spPr>
               <a:xfrm>
-                <a:off x="6960637" y="1819469"/>
-                <a:ext cx="4393163" cy="4335289"/>
+                <a:off x="6337300" y="1819469"/>
+                <a:ext cx="5753265" cy="4305281"/>
               </a:xfrm>
               <a:prstGeom prst="rect">
                 <a:avLst/>
@@ -15471,7 +15754,7 @@
               <a:blipFill>
                 <a:blip r:embed="rId3"/>
                 <a:stretch>
-                  <a:fillRect l="-2913" t="-1264" r="-3051"/>
+                  <a:fillRect l="-2227" t="-1273"/>
                 </a:stretch>
               </a:blipFill>
             </p:spPr>
@@ -18848,8 +19131,8 @@
           </p:style>
         </p:cxnSp>
       </p:grpSp>
-      <mc:AlternateContent xmlns:mc="http://schemas.openxmlformats.org/markup-compatibility/2006">
-        <mc:Choice xmlns:a14="http://schemas.microsoft.com/office/drawing/2010/main" Requires="a14">
+      <mc:AlternateContent xmlns:mc="http://schemas.openxmlformats.org/markup-compatibility/2006" xmlns:a14="http://schemas.microsoft.com/office/drawing/2010/main">
+        <mc:Choice Requires="a14">
           <p:sp>
             <p:nvSpPr>
               <p:cNvPr id="41" name="TextBox 40">
@@ -18931,7 +19214,7 @@
             </p:txBody>
           </p:sp>
         </mc:Choice>
-        <mc:Fallback>
+        <mc:Fallback xmlns="">
           <p:sp>
             <p:nvSpPr>
               <p:cNvPr id="41" name="TextBox 40">
@@ -18976,8 +19259,8 @@
           </p:sp>
         </mc:Fallback>
       </mc:AlternateContent>
-      <mc:AlternateContent xmlns:mc="http://schemas.openxmlformats.org/markup-compatibility/2006">
-        <mc:Choice xmlns:a14="http://schemas.microsoft.com/office/drawing/2010/main" Requires="a14">
+      <mc:AlternateContent xmlns:mc="http://schemas.openxmlformats.org/markup-compatibility/2006" xmlns:a14="http://schemas.microsoft.com/office/drawing/2010/main">
+        <mc:Choice Requires="a14">
           <p:sp>
             <p:nvSpPr>
               <p:cNvPr id="42" name="TextBox 41">
@@ -19059,7 +19342,7 @@
             </p:txBody>
           </p:sp>
         </mc:Choice>
-        <mc:Fallback>
+        <mc:Fallback xmlns="">
           <p:sp>
             <p:nvSpPr>
               <p:cNvPr id="42" name="TextBox 41">
@@ -20565,8 +20848,8 @@
           </p:style>
         </p:cxnSp>
       </p:grpSp>
-      <mc:AlternateContent xmlns:mc="http://schemas.openxmlformats.org/markup-compatibility/2006">
-        <mc:Choice xmlns:a14="http://schemas.microsoft.com/office/drawing/2010/main" Requires="a14">
+      <mc:AlternateContent xmlns:mc="http://schemas.openxmlformats.org/markup-compatibility/2006" xmlns:a14="http://schemas.microsoft.com/office/drawing/2010/main">
+        <mc:Choice Requires="a14">
           <p:sp>
             <p:nvSpPr>
               <p:cNvPr id="68" name="TextBox 67">
@@ -20648,7 +20931,7 @@
             </p:txBody>
           </p:sp>
         </mc:Choice>
-        <mc:Fallback>
+        <mc:Fallback xmlns="">
           <p:sp>
             <p:nvSpPr>
               <p:cNvPr id="68" name="TextBox 67">
@@ -20693,8 +20976,8 @@
           </p:sp>
         </mc:Fallback>
       </mc:AlternateContent>
-      <mc:AlternateContent xmlns:mc="http://schemas.openxmlformats.org/markup-compatibility/2006">
-        <mc:Choice xmlns:a14="http://schemas.microsoft.com/office/drawing/2010/main" Requires="a14">
+      <mc:AlternateContent xmlns:mc="http://schemas.openxmlformats.org/markup-compatibility/2006" xmlns:a14="http://schemas.microsoft.com/office/drawing/2010/main">
+        <mc:Choice Requires="a14">
           <p:sp>
             <p:nvSpPr>
               <p:cNvPr id="69" name="TextBox 68">
@@ -20776,7 +21059,7 @@
             </p:txBody>
           </p:sp>
         </mc:Choice>
-        <mc:Fallback>
+        <mc:Fallback xmlns="">
           <p:sp>
             <p:nvSpPr>
               <p:cNvPr id="69" name="TextBox 68">
@@ -21859,8 +22142,8 @@
           </p:style>
         </p:cxnSp>
       </p:grpSp>
-      <mc:AlternateContent xmlns:mc="http://schemas.openxmlformats.org/markup-compatibility/2006">
-        <mc:Choice xmlns:a14="http://schemas.microsoft.com/office/drawing/2010/main" Requires="a14">
+      <mc:AlternateContent xmlns:mc="http://schemas.openxmlformats.org/markup-compatibility/2006" xmlns:a14="http://schemas.microsoft.com/office/drawing/2010/main">
+        <mc:Choice Requires="a14">
           <p:sp>
             <p:nvSpPr>
               <p:cNvPr id="88" name="TextBox 87">
@@ -21942,7 +22225,7 @@
             </p:txBody>
           </p:sp>
         </mc:Choice>
-        <mc:Fallback>
+        <mc:Fallback xmlns="">
           <p:sp>
             <p:nvSpPr>
               <p:cNvPr id="88" name="TextBox 87">
@@ -21987,8 +22270,8 @@
           </p:sp>
         </mc:Fallback>
       </mc:AlternateContent>
-      <mc:AlternateContent xmlns:mc="http://schemas.openxmlformats.org/markup-compatibility/2006">
-        <mc:Choice xmlns:a14="http://schemas.microsoft.com/office/drawing/2010/main" Requires="a14">
+      <mc:AlternateContent xmlns:mc="http://schemas.openxmlformats.org/markup-compatibility/2006" xmlns:a14="http://schemas.microsoft.com/office/drawing/2010/main">
+        <mc:Choice Requires="a14">
           <p:sp>
             <p:nvSpPr>
               <p:cNvPr id="89" name="TextBox 88">
@@ -22070,7 +22353,7 @@
             </p:txBody>
           </p:sp>
         </mc:Choice>
-        <mc:Fallback>
+        <mc:Fallback xmlns="">
           <p:sp>
             <p:nvSpPr>
               <p:cNvPr id="89" name="TextBox 88">
@@ -23335,8 +23618,8 @@
           </a:p>
         </p:txBody>
       </p:sp>
-      <mc:AlternateContent xmlns:mc="http://schemas.openxmlformats.org/markup-compatibility/2006">
-        <mc:Choice xmlns:a14="http://schemas.microsoft.com/office/drawing/2010/main" Requires="a14">
+      <mc:AlternateContent xmlns:mc="http://schemas.openxmlformats.org/markup-compatibility/2006" xmlns:a14="http://schemas.microsoft.com/office/drawing/2010/main">
+        <mc:Choice Requires="a14">
           <p:sp>
             <p:nvSpPr>
               <p:cNvPr id="3" name="Content Placeholder 2">
@@ -23652,7 +23935,7 @@
             </p:txBody>
           </p:sp>
         </mc:Choice>
-        <mc:Fallback>
+        <mc:Fallback xmlns="">
           <p:sp>
             <p:nvSpPr>
               <p:cNvPr id="3" name="Content Placeholder 2">
@@ -25000,8 +25283,8 @@
           </p:style>
         </p:cxnSp>
       </p:grpSp>
-      <mc:AlternateContent xmlns:mc="http://schemas.openxmlformats.org/markup-compatibility/2006">
-        <mc:Choice xmlns:a14="http://schemas.microsoft.com/office/drawing/2010/main" Requires="a14">
+      <mc:AlternateContent xmlns:mc="http://schemas.openxmlformats.org/markup-compatibility/2006" xmlns:a14="http://schemas.microsoft.com/office/drawing/2010/main">
+        <mc:Choice Requires="a14">
           <p:sp>
             <p:nvSpPr>
               <p:cNvPr id="25" name="TextBox 24">
@@ -25054,7 +25337,7 @@
             </p:txBody>
           </p:sp>
         </mc:Choice>
-        <mc:Fallback>
+        <mc:Fallback xmlns="">
           <p:sp>
             <p:nvSpPr>
               <p:cNvPr id="25" name="TextBox 24">
@@ -25099,8 +25382,8 @@
           </p:sp>
         </mc:Fallback>
       </mc:AlternateContent>
-      <mc:AlternateContent xmlns:mc="http://schemas.openxmlformats.org/markup-compatibility/2006">
-        <mc:Choice xmlns:a14="http://schemas.microsoft.com/office/drawing/2010/main" Requires="a14">
+      <mc:AlternateContent xmlns:mc="http://schemas.openxmlformats.org/markup-compatibility/2006" xmlns:a14="http://schemas.microsoft.com/office/drawing/2010/main">
+        <mc:Choice Requires="a14">
           <p:sp>
             <p:nvSpPr>
               <p:cNvPr id="26" name="TextBox 25">
@@ -25178,7 +25461,7 @@
             </p:txBody>
           </p:sp>
         </mc:Choice>
-        <mc:Fallback>
+        <mc:Fallback xmlns="">
           <p:sp>
             <p:nvSpPr>
               <p:cNvPr id="26" name="TextBox 25">
@@ -25223,8 +25506,8 @@
           </p:sp>
         </mc:Fallback>
       </mc:AlternateContent>
-      <mc:AlternateContent xmlns:mc="http://schemas.openxmlformats.org/markup-compatibility/2006">
-        <mc:Choice xmlns:a14="http://schemas.microsoft.com/office/drawing/2010/main" Requires="a14">
+      <mc:AlternateContent xmlns:mc="http://schemas.openxmlformats.org/markup-compatibility/2006" xmlns:a14="http://schemas.microsoft.com/office/drawing/2010/main">
+        <mc:Choice Requires="a14">
           <p:sp>
             <p:nvSpPr>
               <p:cNvPr id="27" name="TextBox 26">
@@ -25302,7 +25585,7 @@
             </p:txBody>
           </p:sp>
         </mc:Choice>
-        <mc:Fallback>
+        <mc:Fallback xmlns="">
           <p:sp>
             <p:nvSpPr>
               <p:cNvPr id="27" name="TextBox 26">
@@ -25347,8 +25630,8 @@
           </p:sp>
         </mc:Fallback>
       </mc:AlternateContent>
-      <mc:AlternateContent xmlns:mc="http://schemas.openxmlformats.org/markup-compatibility/2006">
-        <mc:Choice xmlns:a14="http://schemas.microsoft.com/office/drawing/2010/main" Requires="a14">
+      <mc:AlternateContent xmlns:mc="http://schemas.openxmlformats.org/markup-compatibility/2006" xmlns:a14="http://schemas.microsoft.com/office/drawing/2010/main">
+        <mc:Choice Requires="a14">
           <p:sp>
             <p:nvSpPr>
               <p:cNvPr id="28" name="TextBox 27">
@@ -25426,7 +25709,7 @@
             </p:txBody>
           </p:sp>
         </mc:Choice>
-        <mc:Fallback>
+        <mc:Fallback xmlns="">
           <p:sp>
             <p:nvSpPr>
               <p:cNvPr id="28" name="TextBox 27">
@@ -25471,8 +25754,8 @@
           </p:sp>
         </mc:Fallback>
       </mc:AlternateContent>
-      <mc:AlternateContent xmlns:mc="http://schemas.openxmlformats.org/markup-compatibility/2006">
-        <mc:Choice xmlns:a14="http://schemas.microsoft.com/office/drawing/2010/main" Requires="a14">
+      <mc:AlternateContent xmlns:mc="http://schemas.openxmlformats.org/markup-compatibility/2006" xmlns:a14="http://schemas.microsoft.com/office/drawing/2010/main">
+        <mc:Choice Requires="a14">
           <p:sp>
             <p:nvSpPr>
               <p:cNvPr id="29" name="TextBox 28">
@@ -25550,7 +25833,7 @@
             </p:txBody>
           </p:sp>
         </mc:Choice>
-        <mc:Fallback>
+        <mc:Fallback xmlns="">
           <p:sp>
             <p:nvSpPr>
               <p:cNvPr id="29" name="TextBox 28">
@@ -28332,8 +28615,8 @@
           </p:style>
         </p:cxnSp>
       </p:grpSp>
-      <mc:AlternateContent xmlns:mc="http://schemas.openxmlformats.org/markup-compatibility/2006">
-        <mc:Choice xmlns:a14="http://schemas.microsoft.com/office/drawing/2010/main" Requires="a14">
+      <mc:AlternateContent xmlns:mc="http://schemas.openxmlformats.org/markup-compatibility/2006" xmlns:a14="http://schemas.microsoft.com/office/drawing/2010/main">
+        <mc:Choice Requires="a14">
           <p:sp>
             <p:nvSpPr>
               <p:cNvPr id="41" name="TextBox 40">
@@ -28415,7 +28698,7 @@
             </p:txBody>
           </p:sp>
         </mc:Choice>
-        <mc:Fallback>
+        <mc:Fallback xmlns="">
           <p:sp>
             <p:nvSpPr>
               <p:cNvPr id="41" name="TextBox 40">
@@ -28460,8 +28743,8 @@
           </p:sp>
         </mc:Fallback>
       </mc:AlternateContent>
-      <mc:AlternateContent xmlns:mc="http://schemas.openxmlformats.org/markup-compatibility/2006">
-        <mc:Choice xmlns:a14="http://schemas.microsoft.com/office/drawing/2010/main" Requires="a14">
+      <mc:AlternateContent xmlns:mc="http://schemas.openxmlformats.org/markup-compatibility/2006" xmlns:a14="http://schemas.microsoft.com/office/drawing/2010/main">
+        <mc:Choice Requires="a14">
           <p:sp>
             <p:nvSpPr>
               <p:cNvPr id="42" name="TextBox 41">
@@ -28543,7 +28826,7 @@
             </p:txBody>
           </p:sp>
         </mc:Choice>
-        <mc:Fallback>
+        <mc:Fallback xmlns="">
           <p:sp>
             <p:nvSpPr>
               <p:cNvPr id="42" name="TextBox 41">
@@ -30049,8 +30332,8 @@
           </p:style>
         </p:cxnSp>
       </p:grpSp>
-      <mc:AlternateContent xmlns:mc="http://schemas.openxmlformats.org/markup-compatibility/2006">
-        <mc:Choice xmlns:a14="http://schemas.microsoft.com/office/drawing/2010/main" Requires="a14">
+      <mc:AlternateContent xmlns:mc="http://schemas.openxmlformats.org/markup-compatibility/2006" xmlns:a14="http://schemas.microsoft.com/office/drawing/2010/main">
+        <mc:Choice Requires="a14">
           <p:sp>
             <p:nvSpPr>
               <p:cNvPr id="68" name="TextBox 67">
@@ -30132,7 +30415,7 @@
             </p:txBody>
           </p:sp>
         </mc:Choice>
-        <mc:Fallback>
+        <mc:Fallback xmlns="">
           <p:sp>
             <p:nvSpPr>
               <p:cNvPr id="68" name="TextBox 67">
@@ -30177,8 +30460,8 @@
           </p:sp>
         </mc:Fallback>
       </mc:AlternateContent>
-      <mc:AlternateContent xmlns:mc="http://schemas.openxmlformats.org/markup-compatibility/2006">
-        <mc:Choice xmlns:a14="http://schemas.microsoft.com/office/drawing/2010/main" Requires="a14">
+      <mc:AlternateContent xmlns:mc="http://schemas.openxmlformats.org/markup-compatibility/2006" xmlns:a14="http://schemas.microsoft.com/office/drawing/2010/main">
+        <mc:Choice Requires="a14">
           <p:sp>
             <p:nvSpPr>
               <p:cNvPr id="69" name="TextBox 68">
@@ -30260,7 +30543,7 @@
             </p:txBody>
           </p:sp>
         </mc:Choice>
-        <mc:Fallback>
+        <mc:Fallback xmlns="">
           <p:sp>
             <p:nvSpPr>
               <p:cNvPr id="69" name="TextBox 68">
@@ -30582,8 +30865,8 @@
           </p:style>
         </p:cxnSp>
       </p:grpSp>
-      <mc:AlternateContent xmlns:mc="http://schemas.openxmlformats.org/markup-compatibility/2006">
-        <mc:Choice xmlns:a14="http://schemas.microsoft.com/office/drawing/2010/main" Requires="a14">
+      <mc:AlternateContent xmlns:mc="http://schemas.openxmlformats.org/markup-compatibility/2006" xmlns:a14="http://schemas.microsoft.com/office/drawing/2010/main">
+        <mc:Choice Requires="a14">
           <p:sp>
             <p:nvSpPr>
               <p:cNvPr id="85" name="Oval 84">
@@ -30661,7 +30944,7 @@
             </p:txBody>
           </p:sp>
         </mc:Choice>
-        <mc:Fallback>
+        <mc:Fallback xmlns="">
           <p:sp>
             <p:nvSpPr>
               <p:cNvPr id="85" name="Oval 84">
@@ -30711,8 +30994,8 @@
           </p:sp>
         </mc:Fallback>
       </mc:AlternateContent>
-      <mc:AlternateContent xmlns:mc="http://schemas.openxmlformats.org/markup-compatibility/2006">
-        <mc:Choice xmlns:a14="http://schemas.microsoft.com/office/drawing/2010/main" Requires="a14">
+      <mc:AlternateContent xmlns:mc="http://schemas.openxmlformats.org/markup-compatibility/2006" xmlns:a14="http://schemas.microsoft.com/office/drawing/2010/main">
+        <mc:Choice Requires="a14">
           <p:sp>
             <p:nvSpPr>
               <p:cNvPr id="88" name="TextBox 87">
@@ -30794,7 +31077,7 @@
             </p:txBody>
           </p:sp>
         </mc:Choice>
-        <mc:Fallback>
+        <mc:Fallback xmlns="">
           <p:sp>
             <p:nvSpPr>
               <p:cNvPr id="88" name="TextBox 87">
@@ -30839,8 +31122,8 @@
           </p:sp>
         </mc:Fallback>
       </mc:AlternateContent>
-      <mc:AlternateContent xmlns:mc="http://schemas.openxmlformats.org/markup-compatibility/2006">
-        <mc:Choice xmlns:a14="http://schemas.microsoft.com/office/drawing/2010/main" Requires="a14">
+      <mc:AlternateContent xmlns:mc="http://schemas.openxmlformats.org/markup-compatibility/2006" xmlns:a14="http://schemas.microsoft.com/office/drawing/2010/main">
+        <mc:Choice Requires="a14">
           <p:sp>
             <p:nvSpPr>
               <p:cNvPr id="89" name="TextBox 88">
@@ -30922,7 +31205,7 @@
             </p:txBody>
           </p:sp>
         </mc:Choice>
-        <mc:Fallback>
+        <mc:Fallback xmlns="">
           <p:sp>
             <p:nvSpPr>
               <p:cNvPr id="89" name="TextBox 88">
@@ -34105,8 +34388,8 @@
           </p:style>
         </p:cxnSp>
       </p:grpSp>
-      <mc:AlternateContent xmlns:mc="http://schemas.openxmlformats.org/markup-compatibility/2006">
-        <mc:Choice xmlns:a14="http://schemas.microsoft.com/office/drawing/2010/main" Requires="a14">
+      <mc:AlternateContent xmlns:mc="http://schemas.openxmlformats.org/markup-compatibility/2006" xmlns:a14="http://schemas.microsoft.com/office/drawing/2010/main">
+        <mc:Choice Requires="a14">
           <p:sp>
             <p:nvSpPr>
               <p:cNvPr id="41" name="TextBox 40">
@@ -34188,7 +34471,7 @@
             </p:txBody>
           </p:sp>
         </mc:Choice>
-        <mc:Fallback>
+        <mc:Fallback xmlns="">
           <p:sp>
             <p:nvSpPr>
               <p:cNvPr id="41" name="TextBox 40">
@@ -34233,8 +34516,8 @@
           </p:sp>
         </mc:Fallback>
       </mc:AlternateContent>
-      <mc:AlternateContent xmlns:mc="http://schemas.openxmlformats.org/markup-compatibility/2006">
-        <mc:Choice xmlns:a14="http://schemas.microsoft.com/office/drawing/2010/main" Requires="a14">
+      <mc:AlternateContent xmlns:mc="http://schemas.openxmlformats.org/markup-compatibility/2006" xmlns:a14="http://schemas.microsoft.com/office/drawing/2010/main">
+        <mc:Choice Requires="a14">
           <p:sp>
             <p:nvSpPr>
               <p:cNvPr id="42" name="TextBox 41">
@@ -34316,7 +34599,7 @@
             </p:txBody>
           </p:sp>
         </mc:Choice>
-        <mc:Fallback>
+        <mc:Fallback xmlns="">
           <p:sp>
             <p:nvSpPr>
               <p:cNvPr id="42" name="TextBox 41">
@@ -35822,8 +36105,8 @@
           </p:style>
         </p:cxnSp>
       </p:grpSp>
-      <mc:AlternateContent xmlns:mc="http://schemas.openxmlformats.org/markup-compatibility/2006">
-        <mc:Choice xmlns:a14="http://schemas.microsoft.com/office/drawing/2010/main" Requires="a14">
+      <mc:AlternateContent xmlns:mc="http://schemas.openxmlformats.org/markup-compatibility/2006" xmlns:a14="http://schemas.microsoft.com/office/drawing/2010/main">
+        <mc:Choice Requires="a14">
           <p:sp>
             <p:nvSpPr>
               <p:cNvPr id="68" name="TextBox 67">
@@ -35905,7 +36188,7 @@
             </p:txBody>
           </p:sp>
         </mc:Choice>
-        <mc:Fallback>
+        <mc:Fallback xmlns="">
           <p:sp>
             <p:nvSpPr>
               <p:cNvPr id="68" name="TextBox 67">
@@ -35950,8 +36233,8 @@
           </p:sp>
         </mc:Fallback>
       </mc:AlternateContent>
-      <mc:AlternateContent xmlns:mc="http://schemas.openxmlformats.org/markup-compatibility/2006">
-        <mc:Choice xmlns:a14="http://schemas.microsoft.com/office/drawing/2010/main" Requires="a14">
+      <mc:AlternateContent xmlns:mc="http://schemas.openxmlformats.org/markup-compatibility/2006" xmlns:a14="http://schemas.microsoft.com/office/drawing/2010/main">
+        <mc:Choice Requires="a14">
           <p:sp>
             <p:nvSpPr>
               <p:cNvPr id="69" name="TextBox 68">
@@ -36033,7 +36316,7 @@
             </p:txBody>
           </p:sp>
         </mc:Choice>
-        <mc:Fallback>
+        <mc:Fallback xmlns="">
           <p:sp>
             <p:nvSpPr>
               <p:cNvPr id="69" name="TextBox 68">
@@ -37116,8 +37399,8 @@
           </p:style>
         </p:cxnSp>
       </p:grpSp>
-      <mc:AlternateContent xmlns:mc="http://schemas.openxmlformats.org/markup-compatibility/2006">
-        <mc:Choice xmlns:a14="http://schemas.microsoft.com/office/drawing/2010/main" Requires="a14">
+      <mc:AlternateContent xmlns:mc="http://schemas.openxmlformats.org/markup-compatibility/2006" xmlns:a14="http://schemas.microsoft.com/office/drawing/2010/main">
+        <mc:Choice Requires="a14">
           <p:sp>
             <p:nvSpPr>
               <p:cNvPr id="88" name="TextBox 87">
@@ -37199,7 +37482,7 @@
             </p:txBody>
           </p:sp>
         </mc:Choice>
-        <mc:Fallback>
+        <mc:Fallback xmlns="">
           <p:sp>
             <p:nvSpPr>
               <p:cNvPr id="88" name="TextBox 87">
@@ -37244,8 +37527,8 @@
           </p:sp>
         </mc:Fallback>
       </mc:AlternateContent>
-      <mc:AlternateContent xmlns:mc="http://schemas.openxmlformats.org/markup-compatibility/2006">
-        <mc:Choice xmlns:a14="http://schemas.microsoft.com/office/drawing/2010/main" Requires="a14">
+      <mc:AlternateContent xmlns:mc="http://schemas.openxmlformats.org/markup-compatibility/2006" xmlns:a14="http://schemas.microsoft.com/office/drawing/2010/main">
+        <mc:Choice Requires="a14">
           <p:sp>
             <p:nvSpPr>
               <p:cNvPr id="89" name="TextBox 88">
@@ -37327,7 +37610,7 @@
             </p:txBody>
           </p:sp>
         </mc:Choice>
-        <mc:Fallback>
+        <mc:Fallback xmlns="">
           <p:sp>
             <p:nvSpPr>
               <p:cNvPr id="89" name="TextBox 88">
